--- a/docs/Presentation2.pptx
+++ b/docs/Presentation2.pptx
@@ -5,10 +5,10 @@
     <p:sldMasterId id="2147483648" r:id="rId1"/>
   </p:sldMasterIdLst>
   <p:sldIdLst>
-    <p:sldId id="257" r:id="rId2"/>
-    <p:sldId id="258" r:id="rId3"/>
-    <p:sldId id="259" r:id="rId4"/>
-    <p:sldId id="260" r:id="rId5"/>
+    <p:sldId id="256" r:id="rId2"/>
+    <p:sldId id="257" r:id="rId3"/>
+    <p:sldId id="258" r:id="rId4"/>
+    <p:sldId id="259" r:id="rId5"/>
   </p:sldIdLst>
   <p:sldSz cx="12192000" cy="6858000"/>
   <p:notesSz cx="6858000" cy="9144000"/>
@@ -107,6 +107,11 @@
       </a:defRPr>
     </a:lvl9pPr>
   </p:defaultTextStyle>
+  <p:extLst>
+    <p:ext uri="{EFAFB233-063F-42B5-8137-9DF3F51BA10A}">
+      <p15:sldGuideLst xmlns:p15="http://schemas.microsoft.com/office/powerpoint/2012/main"/>
+    </p:ext>
+  </p:extLst>
 </p:presentation>
 </file>
 
@@ -3329,7 +3334,7 @@
           <p:cNvPr id="3" name="Picture 2">
             <a:extLst>
               <a:ext uri="{FF2B5EF4-FFF2-40B4-BE49-F238E27FC236}">
-                <a16:creationId xmlns:a16="http://schemas.microsoft.com/office/drawing/2014/main" id="{D893210A-14AF-4799-863A-B401385F406B}"/>
+                <a16:creationId xmlns:a16="http://schemas.microsoft.com/office/drawing/2014/main" id="{3505D074-5CE0-4011-AD15-71FDF91B7BAD}"/>
               </a:ext>
             </a:extLst>
           </p:cNvPr>
@@ -3357,7 +3362,7 @@
     </p:spTree>
     <p:extLst>
       <p:ext uri="{BB962C8B-B14F-4D97-AF65-F5344CB8AC3E}">
-        <p14:creationId xmlns:p14="http://schemas.microsoft.com/office/powerpoint/2010/main" val="1240669591"/>
+        <p14:creationId xmlns:p14="http://schemas.microsoft.com/office/powerpoint/2010/main" val="1679337049"/>
       </p:ext>
     </p:extLst>
   </p:cSld>
@@ -3389,7 +3394,7 @@
           <p:cNvPr id="3" name="Picture 2">
             <a:extLst>
               <a:ext uri="{FF2B5EF4-FFF2-40B4-BE49-F238E27FC236}">
-                <a16:creationId xmlns:a16="http://schemas.microsoft.com/office/drawing/2014/main" id="{E7F0C6AC-F32D-4D45-8376-B6863DB86556}"/>
+                <a16:creationId xmlns:a16="http://schemas.microsoft.com/office/drawing/2014/main" id="{07A6D7E1-B5F3-4D6F-B8FE-BB1C35B266DA}"/>
               </a:ext>
             </a:extLst>
           </p:cNvPr>
@@ -3417,7 +3422,7 @@
     </p:spTree>
     <p:extLst>
       <p:ext uri="{BB962C8B-B14F-4D97-AF65-F5344CB8AC3E}">
-        <p14:creationId xmlns:p14="http://schemas.microsoft.com/office/powerpoint/2010/main" val="986260329"/>
+        <p14:creationId xmlns:p14="http://schemas.microsoft.com/office/powerpoint/2010/main" val="1130615278"/>
       </p:ext>
     </p:extLst>
   </p:cSld>
@@ -3449,7 +3454,7 @@
           <p:cNvPr id="3" name="Picture 2">
             <a:extLst>
               <a:ext uri="{FF2B5EF4-FFF2-40B4-BE49-F238E27FC236}">
-                <a16:creationId xmlns:a16="http://schemas.microsoft.com/office/drawing/2014/main" id="{AA3D42C8-18CE-476F-BF7B-6999B83297E9}"/>
+                <a16:creationId xmlns:a16="http://schemas.microsoft.com/office/drawing/2014/main" id="{9182D66D-C37D-44B1-8A24-F32AB0288EF5}"/>
               </a:ext>
             </a:extLst>
           </p:cNvPr>
@@ -3477,7 +3482,7 @@
     </p:spTree>
     <p:extLst>
       <p:ext uri="{BB962C8B-B14F-4D97-AF65-F5344CB8AC3E}">
-        <p14:creationId xmlns:p14="http://schemas.microsoft.com/office/powerpoint/2010/main" val="452234055"/>
+        <p14:creationId xmlns:p14="http://schemas.microsoft.com/office/powerpoint/2010/main" val="963919677"/>
       </p:ext>
     </p:extLst>
   </p:cSld>
@@ -3509,7 +3514,7 @@
           <p:cNvPr id="3" name="Picture 2">
             <a:extLst>
               <a:ext uri="{FF2B5EF4-FFF2-40B4-BE49-F238E27FC236}">
-                <a16:creationId xmlns:a16="http://schemas.microsoft.com/office/drawing/2014/main" id="{20DDDE16-A8DF-4C14-8893-B650FFC2DFC4}"/>
+                <a16:creationId xmlns:a16="http://schemas.microsoft.com/office/drawing/2014/main" id="{EAB351A1-7399-4C62-90F8-BCEA35E92DD8}"/>
               </a:ext>
             </a:extLst>
           </p:cNvPr>
@@ -3537,7 +3542,7 @@
     </p:spTree>
     <p:extLst>
       <p:ext uri="{BB962C8B-B14F-4D97-AF65-F5344CB8AC3E}">
-        <p14:creationId xmlns:p14="http://schemas.microsoft.com/office/powerpoint/2010/main" val="1941979660"/>
+        <p14:creationId xmlns:p14="http://schemas.microsoft.com/office/powerpoint/2010/main" val="1910060378"/>
       </p:ext>
     </p:extLst>
   </p:cSld>
